--- a/CI/maven_installation.pptx
+++ b/CI/maven_installation.pptx
@@ -9,6 +9,15 @@
     <p:sldId id="257" r:id="rId3"/>
     <p:sldId id="259" r:id="rId4"/>
     <p:sldId id="258" r:id="rId5"/>
+    <p:sldId id="260" r:id="rId6"/>
+    <p:sldId id="261" r:id="rId7"/>
+    <p:sldId id="262" r:id="rId8"/>
+    <p:sldId id="263" r:id="rId9"/>
+    <p:sldId id="264" r:id="rId10"/>
+    <p:sldId id="265" r:id="rId11"/>
+    <p:sldId id="268" r:id="rId12"/>
+    <p:sldId id="267" r:id="rId13"/>
+    <p:sldId id="266" r:id="rId14"/>
   </p:sldIdLst>
   <p:sldSz cx="9144000" cy="6858000" type="screen4x3"/>
   <p:notesSz cx="6858000" cy="9144000"/>
@@ -292,7 +301,7 @@
             <a:fld id="{530820CF-B880-4189-942D-D702A7CBA730}" type="datetimeFigureOut">
               <a:rPr lang="zh-CN" altLang="en-US" smtClean="0"/>
               <a:pPr/>
-              <a:t>2016/9/29</a:t>
+              <a:t>2016/12/28</a:t>
             </a:fld>
             <a:endParaRPr lang="zh-CN" altLang="en-US"/>
           </a:p>
@@ -459,7 +468,7 @@
             <a:fld id="{530820CF-B880-4189-942D-D702A7CBA730}" type="datetimeFigureOut">
               <a:rPr lang="zh-CN" altLang="en-US" smtClean="0"/>
               <a:pPr/>
-              <a:t>2016/9/29</a:t>
+              <a:t>2016/12/28</a:t>
             </a:fld>
             <a:endParaRPr lang="zh-CN" altLang="en-US"/>
           </a:p>
@@ -636,7 +645,7 @@
             <a:fld id="{530820CF-B880-4189-942D-D702A7CBA730}" type="datetimeFigureOut">
               <a:rPr lang="zh-CN" altLang="en-US" smtClean="0"/>
               <a:pPr/>
-              <a:t>2016/9/29</a:t>
+              <a:t>2016/12/28</a:t>
             </a:fld>
             <a:endParaRPr lang="zh-CN" altLang="en-US"/>
           </a:p>
@@ -803,7 +812,7 @@
             <a:fld id="{530820CF-B880-4189-942D-D702A7CBA730}" type="datetimeFigureOut">
               <a:rPr lang="zh-CN" altLang="en-US" smtClean="0"/>
               <a:pPr/>
-              <a:t>2016/9/29</a:t>
+              <a:t>2016/12/28</a:t>
             </a:fld>
             <a:endParaRPr lang="zh-CN" altLang="en-US"/>
           </a:p>
@@ -1046,7 +1055,7 @@
             <a:fld id="{530820CF-B880-4189-942D-D702A7CBA730}" type="datetimeFigureOut">
               <a:rPr lang="zh-CN" altLang="en-US" smtClean="0"/>
               <a:pPr/>
-              <a:t>2016/9/29</a:t>
+              <a:t>2016/12/28</a:t>
             </a:fld>
             <a:endParaRPr lang="zh-CN" altLang="en-US"/>
           </a:p>
@@ -1331,7 +1340,7 @@
             <a:fld id="{530820CF-B880-4189-942D-D702A7CBA730}" type="datetimeFigureOut">
               <a:rPr lang="zh-CN" altLang="en-US" smtClean="0"/>
               <a:pPr/>
-              <a:t>2016/9/29</a:t>
+              <a:t>2016/12/28</a:t>
             </a:fld>
             <a:endParaRPr lang="zh-CN" altLang="en-US"/>
           </a:p>
@@ -1750,7 +1759,7 @@
             <a:fld id="{530820CF-B880-4189-942D-D702A7CBA730}" type="datetimeFigureOut">
               <a:rPr lang="zh-CN" altLang="en-US" smtClean="0"/>
               <a:pPr/>
-              <a:t>2016/9/29</a:t>
+              <a:t>2016/12/28</a:t>
             </a:fld>
             <a:endParaRPr lang="zh-CN" altLang="en-US"/>
           </a:p>
@@ -1865,7 +1874,7 @@
             <a:fld id="{530820CF-B880-4189-942D-D702A7CBA730}" type="datetimeFigureOut">
               <a:rPr lang="zh-CN" altLang="en-US" smtClean="0"/>
               <a:pPr/>
-              <a:t>2016/9/29</a:t>
+              <a:t>2016/12/28</a:t>
             </a:fld>
             <a:endParaRPr lang="zh-CN" altLang="en-US"/>
           </a:p>
@@ -1957,7 +1966,7 @@
             <a:fld id="{530820CF-B880-4189-942D-D702A7CBA730}" type="datetimeFigureOut">
               <a:rPr lang="zh-CN" altLang="en-US" smtClean="0"/>
               <a:pPr/>
-              <a:t>2016/9/29</a:t>
+              <a:t>2016/12/28</a:t>
             </a:fld>
             <a:endParaRPr lang="zh-CN" altLang="en-US"/>
           </a:p>
@@ -2231,7 +2240,7 @@
             <a:fld id="{530820CF-B880-4189-942D-D702A7CBA730}" type="datetimeFigureOut">
               <a:rPr lang="zh-CN" altLang="en-US" smtClean="0"/>
               <a:pPr/>
-              <a:t>2016/9/29</a:t>
+              <a:t>2016/12/28</a:t>
             </a:fld>
             <a:endParaRPr lang="zh-CN" altLang="en-US"/>
           </a:p>
@@ -2481,7 +2490,7 @@
             <a:fld id="{530820CF-B880-4189-942D-D702A7CBA730}" type="datetimeFigureOut">
               <a:rPr lang="zh-CN" altLang="en-US" smtClean="0"/>
               <a:pPr/>
-              <a:t>2016/9/29</a:t>
+              <a:t>2016/12/28</a:t>
             </a:fld>
             <a:endParaRPr lang="zh-CN" altLang="en-US"/>
           </a:p>
@@ -2691,7 +2700,7 @@
             <a:fld id="{530820CF-B880-4189-942D-D702A7CBA730}" type="datetimeFigureOut">
               <a:rPr lang="zh-CN" altLang="en-US" smtClean="0"/>
               <a:pPr/>
-              <a:t>2016/9/29</a:t>
+              <a:t>2016/12/28</a:t>
             </a:fld>
             <a:endParaRPr lang="zh-CN" altLang="en-US"/>
           </a:p>
@@ -3112,6 +3121,562 @@
 </p:sld>
 </file>
 
+<file path=ppt/slides/slide10.xml><?xml version="1.0" encoding="utf-8"?>
+<p:sld xmlns:a="http://schemas.openxmlformats.org/drawingml/2006/main" xmlns:r="http://schemas.openxmlformats.org/officeDocument/2006/relationships" xmlns:p="http://schemas.openxmlformats.org/presentationml/2006/main">
+  <p:cSld>
+    <p:spTree>
+      <p:nvGrpSpPr>
+        <p:cNvPr id="1" name=""/>
+        <p:cNvGrpSpPr/>
+        <p:nvPr/>
+      </p:nvGrpSpPr>
+      <p:grpSpPr>
+        <a:xfrm>
+          <a:off x="0" y="0"/>
+          <a:ext cx="0" cy="0"/>
+          <a:chOff x="0" y="0"/>
+          <a:chExt cx="0" cy="0"/>
+        </a:xfrm>
+      </p:grpSpPr>
+      <p:sp>
+        <p:nvSpPr>
+          <p:cNvPr id="2" name="标题 1"/>
+          <p:cNvSpPr>
+            <a:spLocks noGrp="1"/>
+          </p:cNvSpPr>
+          <p:nvPr>
+            <p:ph type="title"/>
+          </p:nvPr>
+        </p:nvSpPr>
+        <p:spPr/>
+        <p:txBody>
+          <a:bodyPr/>
+          <a:lstStyle/>
+          <a:p>
+            <a:r>
+              <a:rPr lang="en-US" altLang="zh-CN" dirty="0" smtClean="0"/>
+              <a:t>Maven</a:t>
+            </a:r>
+            <a:r>
+              <a:rPr lang="zh-CN" altLang="en-US" dirty="0" smtClean="0"/>
+              <a:t>仓库</a:t>
+            </a:r>
+            <a:endParaRPr lang="zh-CN" altLang="en-US" dirty="0"/>
+          </a:p>
+        </p:txBody>
+      </p:sp>
+      <p:sp>
+        <p:nvSpPr>
+          <p:cNvPr id="3" name="内容占位符 2"/>
+          <p:cNvSpPr>
+            <a:spLocks noGrp="1"/>
+          </p:cNvSpPr>
+          <p:nvPr>
+            <p:ph idx="1"/>
+          </p:nvPr>
+        </p:nvSpPr>
+        <p:spPr/>
+        <p:txBody>
+          <a:bodyPr>
+            <a:normAutofit fontScale="55000" lnSpcReduction="20000"/>
+          </a:bodyPr>
+          <a:lstStyle/>
+          <a:p>
+            <a:r>
+              <a:rPr lang="zh-CN" altLang="en-US" dirty="0" smtClean="0"/>
+              <a:t>本地仓库</a:t>
+            </a:r>
+            <a:endParaRPr lang="en-US" altLang="zh-CN" dirty="0" smtClean="0"/>
+          </a:p>
+          <a:p>
+            <a:pPr lvl="1"/>
+            <a:r>
+              <a:rPr lang="en-US" altLang="zh-CN" dirty="0" smtClean="0"/>
+              <a:t>maven</a:t>
+            </a:r>
+            <a:r>
+              <a:rPr lang="zh-CN" altLang="en-US" dirty="0" smtClean="0"/>
+              <a:t>在本地存储构件的地方</a:t>
+            </a:r>
+            <a:endParaRPr lang="en-US" altLang="zh-CN" dirty="0" smtClean="0"/>
+          </a:p>
+          <a:p>
+            <a:pPr lvl="1"/>
+            <a:r>
+              <a:rPr lang="zh-CN" altLang="en-US" dirty="0" smtClean="0"/>
+              <a:t>注意：安装</a:t>
+            </a:r>
+            <a:r>
+              <a:rPr lang="en-US" altLang="zh-CN" dirty="0" smtClean="0"/>
+              <a:t>maven</a:t>
+            </a:r>
+            <a:r>
+              <a:rPr lang="zh-CN" altLang="en-US" dirty="0" smtClean="0"/>
+              <a:t>后并不会创建，是在第一次执行</a:t>
+            </a:r>
+            <a:r>
+              <a:rPr lang="en-US" altLang="zh-CN" dirty="0" smtClean="0"/>
+              <a:t>maven</a:t>
+            </a:r>
+            <a:r>
+              <a:rPr lang="zh-CN" altLang="en-US" dirty="0" smtClean="0"/>
+              <a:t>命令时才被创建</a:t>
+            </a:r>
+            <a:endParaRPr lang="en-US" altLang="zh-CN" dirty="0" smtClean="0"/>
+          </a:p>
+          <a:p>
+            <a:pPr lvl="1"/>
+            <a:r>
+              <a:rPr lang="zh-CN" altLang="en-US" dirty="0" smtClean="0"/>
+              <a:t>默认位置</a:t>
+            </a:r>
+            <a:r>
+              <a:rPr lang="en-US" altLang="zh-CN" dirty="0" smtClean="0"/>
+              <a:t>(</a:t>
+            </a:r>
+            <a:r>
+              <a:rPr lang="en-US" altLang="zh-CN" dirty="0" err="1" smtClean="0"/>
+              <a:t>windows&amp;linux</a:t>
+            </a:r>
+            <a:r>
+              <a:rPr lang="en-US" altLang="zh-CN" dirty="0" smtClean="0"/>
+              <a:t>)</a:t>
+            </a:r>
+            <a:r>
+              <a:rPr lang="zh-CN" altLang="en-US" dirty="0" smtClean="0"/>
+              <a:t>：用户目录下</a:t>
+            </a:r>
+            <a:r>
+              <a:rPr lang="en-US" altLang="zh-CN" dirty="0" smtClean="0"/>
+              <a:t>.m2/repository</a:t>
+            </a:r>
+          </a:p>
+          <a:p>
+            <a:r>
+              <a:rPr lang="zh-CN" altLang="en-US" dirty="0" smtClean="0"/>
+              <a:t>更改</a:t>
+            </a:r>
+            <a:r>
+              <a:rPr lang="en-US" altLang="zh-CN" dirty="0" smtClean="0"/>
+              <a:t>maven</a:t>
+            </a:r>
+            <a:r>
+              <a:rPr lang="zh-CN" altLang="en-US" dirty="0" smtClean="0"/>
+              <a:t>默认的本地仓库的位置</a:t>
+            </a:r>
+            <a:r>
+              <a:rPr lang="en-US" altLang="zh-CN" dirty="0" smtClean="0"/>
+              <a:t>(</a:t>
+            </a:r>
+            <a:r>
+              <a:rPr lang="en-US" altLang="zh-CN" dirty="0" err="1" smtClean="0"/>
+              <a:t>LocalRepository</a:t>
+            </a:r>
+            <a:r>
+              <a:rPr lang="en-US" altLang="zh-CN" dirty="0" smtClean="0"/>
+              <a:t>)</a:t>
+            </a:r>
+            <a:endParaRPr lang="en-US" altLang="zh-CN" dirty="0" smtClean="0"/>
+          </a:p>
+          <a:p>
+            <a:pPr lvl="1"/>
+            <a:r>
+              <a:rPr lang="zh-CN" altLang="en-US" dirty="0" smtClean="0"/>
+              <a:t>更改配置用户范围的本地仓库</a:t>
+            </a:r>
+            <a:endParaRPr lang="en-US" altLang="zh-CN" dirty="0" smtClean="0"/>
+          </a:p>
+          <a:p>
+            <a:pPr lvl="2"/>
+            <a:r>
+              <a:rPr lang="zh-CN" altLang="en-US" dirty="0" smtClean="0"/>
+              <a:t>在</a:t>
+            </a:r>
+            <a:r>
+              <a:rPr lang="en-US" altLang="zh-CN" dirty="0" smtClean="0"/>
+              <a:t>/.m2/</a:t>
+            </a:r>
+            <a:r>
+              <a:rPr lang="zh-CN" altLang="en-US" dirty="0" smtClean="0"/>
+              <a:t>目录下创建</a:t>
+            </a:r>
+            <a:r>
+              <a:rPr lang="en-US" altLang="zh-CN" dirty="0" smtClean="0"/>
+              <a:t>settings.xml</a:t>
+            </a:r>
+            <a:r>
+              <a:rPr lang="zh-CN" altLang="en-US" dirty="0" smtClean="0"/>
+              <a:t>文件</a:t>
+            </a:r>
+            <a:r>
+              <a:rPr lang="zh-CN" altLang="en-US" dirty="0" smtClean="0"/>
+              <a:t>，</a:t>
+            </a:r>
+            <a:r>
+              <a:rPr lang="zh-CN" altLang="en-US" dirty="0" smtClean="0"/>
+              <a:t>设置</a:t>
+            </a:r>
+            <a:r>
+              <a:rPr lang="en-US" altLang="zh-CN" dirty="0" err="1" smtClean="0"/>
+              <a:t>LocalRepository</a:t>
+            </a:r>
+            <a:r>
+              <a:rPr lang="zh-CN" altLang="en-US" dirty="0" smtClean="0"/>
+              <a:t>元素值为想要的仓库地址</a:t>
+            </a:r>
+            <a:endParaRPr lang="en-US" altLang="zh-CN" dirty="0" smtClean="0"/>
+          </a:p>
+          <a:p>
+            <a:pPr lvl="1"/>
+            <a:r>
+              <a:rPr lang="zh-CN" altLang="en-US" dirty="0" smtClean="0"/>
+              <a:t>更改配置全局范围的本地仓库</a:t>
+            </a:r>
+            <a:endParaRPr lang="en-US" altLang="zh-CN" dirty="0" smtClean="0"/>
+          </a:p>
+          <a:p>
+            <a:pPr lvl="2"/>
+            <a:r>
+              <a:rPr lang="zh-CN" altLang="en-US" dirty="0" smtClean="0"/>
+              <a:t>配置</a:t>
+            </a:r>
+            <a:r>
+              <a:rPr lang="en-US" altLang="zh-CN" dirty="0" smtClean="0"/>
+              <a:t>M2_HOME/conf/settings.xml</a:t>
+            </a:r>
+            <a:r>
+              <a:rPr lang="zh-CN" altLang="en-US" dirty="0" smtClean="0"/>
+              <a:t>中</a:t>
+            </a:r>
+            <a:r>
+              <a:rPr lang="en-US" altLang="zh-CN" dirty="0" err="1" smtClean="0"/>
+              <a:t>LocalRepository</a:t>
+            </a:r>
+            <a:r>
+              <a:rPr lang="zh-CN" altLang="en-US" dirty="0" smtClean="0"/>
+              <a:t>元素值为想要的仓库</a:t>
+            </a:r>
+            <a:r>
+              <a:rPr lang="zh-CN" altLang="en-US" dirty="0" smtClean="0"/>
+              <a:t>地址</a:t>
+            </a:r>
+            <a:endParaRPr lang="en-US" altLang="zh-CN" dirty="0" smtClean="0"/>
+          </a:p>
+          <a:p>
+            <a:pPr lvl="2"/>
+            <a:r>
+              <a:rPr lang="zh-CN" altLang="en-US" dirty="0" smtClean="0"/>
+              <a:t>注：所有用户都会受到影响，而且</a:t>
+            </a:r>
+            <a:r>
+              <a:rPr lang="en-US" altLang="zh-CN" dirty="0" smtClean="0"/>
+              <a:t>maven</a:t>
+            </a:r>
+            <a:r>
+              <a:rPr lang="zh-CN" altLang="en-US" dirty="0" smtClean="0"/>
+              <a:t>升级后所有配置都会被清除，需提前备份，一般不推荐配置全局的</a:t>
+            </a:r>
+            <a:r>
+              <a:rPr lang="en-US" altLang="zh-CN" dirty="0" smtClean="0"/>
+              <a:t>settings.xml</a:t>
+            </a:r>
+          </a:p>
+          <a:p>
+            <a:r>
+              <a:rPr lang="zh-CN" altLang="en-US" dirty="0" smtClean="0"/>
+              <a:t>远程仓库</a:t>
+            </a:r>
+            <a:endParaRPr lang="en-US" altLang="zh-CN" dirty="0" smtClean="0"/>
+          </a:p>
+          <a:p>
+            <a:pPr lvl="1"/>
+            <a:r>
+              <a:rPr lang="zh-CN" altLang="en-US" dirty="0" smtClean="0"/>
+              <a:t>中央仓库</a:t>
+            </a:r>
+            <a:r>
+              <a:rPr lang="en-US" altLang="zh-CN" dirty="0" smtClean="0"/>
+              <a:t>:</a:t>
+            </a:r>
+            <a:r>
+              <a:rPr lang="zh-CN" altLang="en-US" dirty="0" smtClean="0"/>
+              <a:t>默认的远程仓库，</a:t>
+            </a:r>
+            <a:r>
+              <a:rPr lang="en-US" altLang="zh-CN" dirty="0" smtClean="0"/>
+              <a:t>maven</a:t>
+            </a:r>
+            <a:r>
+              <a:rPr lang="zh-CN" altLang="en-US" dirty="0" smtClean="0"/>
+              <a:t>安装自带的</a:t>
+            </a:r>
+            <a:endParaRPr lang="en-US" altLang="zh-CN" dirty="0" smtClean="0"/>
+          </a:p>
+          <a:p>
+            <a:pPr lvl="1"/>
+            <a:r>
+              <a:rPr lang="zh-CN" altLang="en-US" dirty="0" smtClean="0"/>
+              <a:t>私服：局域网内的仓库</a:t>
+            </a:r>
+            <a:r>
+              <a:rPr lang="zh-CN" altLang="en-US" dirty="0" smtClean="0"/>
+              <a:t>服务</a:t>
+            </a:r>
+            <a:endParaRPr lang="en-US" altLang="zh-CN" dirty="0" smtClean="0"/>
+          </a:p>
+          <a:p>
+            <a:pPr lvl="1"/>
+            <a:r>
+              <a:rPr lang="zh-CN" altLang="en-US" dirty="0" smtClean="0"/>
+              <a:t>其它公共</a:t>
+            </a:r>
+            <a:r>
+              <a:rPr lang="zh-CN" altLang="en-US" dirty="0" smtClean="0"/>
+              <a:t>库</a:t>
+            </a:r>
+            <a:endParaRPr lang="en-US" altLang="zh-CN" dirty="0" smtClean="0"/>
+          </a:p>
+          <a:p>
+            <a:r>
+              <a:rPr lang="zh-CN" altLang="en-US" dirty="0" smtClean="0"/>
+              <a:t>远程仓库配置</a:t>
+            </a:r>
+            <a:endParaRPr lang="en-US" altLang="zh-CN" dirty="0" smtClean="0"/>
+          </a:p>
+          <a:p>
+            <a:pPr lvl="1"/>
+            <a:r>
+              <a:rPr lang="zh-CN" altLang="en-US" dirty="0" smtClean="0"/>
+              <a:t>在</a:t>
+            </a:r>
+            <a:r>
+              <a:rPr lang="en-US" altLang="zh-CN" dirty="0" smtClean="0"/>
+              <a:t>&lt;repositories&gt;</a:t>
+            </a:r>
+            <a:r>
+              <a:rPr lang="zh-CN" altLang="en-US" dirty="0" smtClean="0"/>
+              <a:t>下使用</a:t>
+            </a:r>
+            <a:r>
+              <a:rPr lang="en-US" altLang="zh-CN" dirty="0" smtClean="0"/>
+              <a:t>&lt;</a:t>
+            </a:r>
+            <a:r>
+              <a:rPr lang="en-US" altLang="zh-CN" dirty="0" smtClean="0"/>
+              <a:t>repository&gt;</a:t>
+            </a:r>
+            <a:r>
+              <a:rPr lang="zh-CN" altLang="en-US" smtClean="0"/>
+              <a:t>子元素声明一个或多个远程仓库</a:t>
+            </a:r>
+            <a:endParaRPr lang="en-US" altLang="zh-CN" dirty="0" smtClean="0"/>
+          </a:p>
+          <a:p>
+            <a:endParaRPr lang="en-US" altLang="zh-CN" dirty="0" smtClean="0"/>
+          </a:p>
+          <a:p>
+            <a:pPr lvl="2"/>
+            <a:endParaRPr lang="en-US" altLang="zh-CN" dirty="0" smtClean="0"/>
+          </a:p>
+        </p:txBody>
+      </p:sp>
+    </p:spTree>
+  </p:cSld>
+  <p:clrMapOvr>
+    <a:masterClrMapping/>
+  </p:clrMapOvr>
+</p:sld>
+</file>
+
+<file path=ppt/slides/slide11.xml><?xml version="1.0" encoding="utf-8"?>
+<p:sld xmlns:a="http://schemas.openxmlformats.org/drawingml/2006/main" xmlns:r="http://schemas.openxmlformats.org/officeDocument/2006/relationships" xmlns:p="http://schemas.openxmlformats.org/presentationml/2006/main">
+  <p:cSld>
+    <p:spTree>
+      <p:nvGrpSpPr>
+        <p:cNvPr id="1" name=""/>
+        <p:cNvGrpSpPr/>
+        <p:nvPr/>
+      </p:nvGrpSpPr>
+      <p:grpSpPr>
+        <a:xfrm>
+          <a:off x="0" y="0"/>
+          <a:ext cx="0" cy="0"/>
+          <a:chOff x="0" y="0"/>
+          <a:chExt cx="0" cy="0"/>
+        </a:xfrm>
+      </p:grpSpPr>
+      <p:sp>
+        <p:nvSpPr>
+          <p:cNvPr id="2" name="标题 1"/>
+          <p:cNvSpPr>
+            <a:spLocks noGrp="1"/>
+          </p:cNvSpPr>
+          <p:nvPr>
+            <p:ph type="title"/>
+          </p:nvPr>
+        </p:nvSpPr>
+        <p:spPr/>
+        <p:txBody>
+          <a:bodyPr/>
+          <a:lstStyle/>
+          <a:p>
+            <a:endParaRPr lang="zh-CN" altLang="en-US" dirty="0"/>
+          </a:p>
+        </p:txBody>
+      </p:sp>
+      <p:sp>
+        <p:nvSpPr>
+          <p:cNvPr id="3" name="内容占位符 2"/>
+          <p:cNvSpPr>
+            <a:spLocks noGrp="1"/>
+          </p:cNvSpPr>
+          <p:nvPr>
+            <p:ph idx="1"/>
+          </p:nvPr>
+        </p:nvSpPr>
+        <p:spPr/>
+        <p:txBody>
+          <a:bodyPr/>
+          <a:lstStyle/>
+          <a:p>
+            <a:endParaRPr lang="zh-CN" altLang="en-US"/>
+          </a:p>
+        </p:txBody>
+      </p:sp>
+    </p:spTree>
+  </p:cSld>
+  <p:clrMapOvr>
+    <a:masterClrMapping/>
+  </p:clrMapOvr>
+</p:sld>
+</file>
+
+<file path=ppt/slides/slide12.xml><?xml version="1.0" encoding="utf-8"?>
+<p:sld xmlns:a="http://schemas.openxmlformats.org/drawingml/2006/main" xmlns:r="http://schemas.openxmlformats.org/officeDocument/2006/relationships" xmlns:p="http://schemas.openxmlformats.org/presentationml/2006/main">
+  <p:cSld>
+    <p:spTree>
+      <p:nvGrpSpPr>
+        <p:cNvPr id="1" name=""/>
+        <p:cNvGrpSpPr/>
+        <p:nvPr/>
+      </p:nvGrpSpPr>
+      <p:grpSpPr>
+        <a:xfrm>
+          <a:off x="0" y="0"/>
+          <a:ext cx="0" cy="0"/>
+          <a:chOff x="0" y="0"/>
+          <a:chExt cx="0" cy="0"/>
+        </a:xfrm>
+      </p:grpSpPr>
+      <p:sp>
+        <p:nvSpPr>
+          <p:cNvPr id="2" name="标题 1"/>
+          <p:cNvSpPr>
+            <a:spLocks noGrp="1"/>
+          </p:cNvSpPr>
+          <p:nvPr>
+            <p:ph type="title"/>
+          </p:nvPr>
+        </p:nvSpPr>
+        <p:spPr/>
+        <p:txBody>
+          <a:bodyPr/>
+          <a:lstStyle/>
+          <a:p>
+            <a:endParaRPr lang="zh-CN" altLang="en-US" dirty="0"/>
+          </a:p>
+        </p:txBody>
+      </p:sp>
+      <p:sp>
+        <p:nvSpPr>
+          <p:cNvPr id="3" name="内容占位符 2"/>
+          <p:cNvSpPr>
+            <a:spLocks noGrp="1"/>
+          </p:cNvSpPr>
+          <p:nvPr>
+            <p:ph idx="1"/>
+          </p:nvPr>
+        </p:nvSpPr>
+        <p:spPr/>
+        <p:txBody>
+          <a:bodyPr/>
+          <a:lstStyle/>
+          <a:p>
+            <a:endParaRPr lang="zh-CN" altLang="en-US"/>
+          </a:p>
+        </p:txBody>
+      </p:sp>
+    </p:spTree>
+  </p:cSld>
+  <p:clrMapOvr>
+    <a:masterClrMapping/>
+  </p:clrMapOvr>
+</p:sld>
+</file>
+
+<file path=ppt/slides/slide13.xml><?xml version="1.0" encoding="utf-8"?>
+<p:sld xmlns:a="http://schemas.openxmlformats.org/drawingml/2006/main" xmlns:r="http://schemas.openxmlformats.org/officeDocument/2006/relationships" xmlns:p="http://schemas.openxmlformats.org/presentationml/2006/main">
+  <p:cSld>
+    <p:spTree>
+      <p:nvGrpSpPr>
+        <p:cNvPr id="1" name=""/>
+        <p:cNvGrpSpPr/>
+        <p:nvPr/>
+      </p:nvGrpSpPr>
+      <p:grpSpPr>
+        <a:xfrm>
+          <a:off x="0" y="0"/>
+          <a:ext cx="0" cy="0"/>
+          <a:chOff x="0" y="0"/>
+          <a:chExt cx="0" cy="0"/>
+        </a:xfrm>
+      </p:grpSpPr>
+      <p:sp>
+        <p:nvSpPr>
+          <p:cNvPr id="2" name="标题 1"/>
+          <p:cNvSpPr>
+            <a:spLocks noGrp="1"/>
+          </p:cNvSpPr>
+          <p:nvPr>
+            <p:ph type="title"/>
+          </p:nvPr>
+        </p:nvSpPr>
+        <p:spPr/>
+        <p:txBody>
+          <a:bodyPr/>
+          <a:lstStyle/>
+          <a:p>
+            <a:endParaRPr lang="zh-CN" altLang="en-US" dirty="0"/>
+          </a:p>
+        </p:txBody>
+      </p:sp>
+      <p:sp>
+        <p:nvSpPr>
+          <p:cNvPr id="3" name="内容占位符 2"/>
+          <p:cNvSpPr>
+            <a:spLocks noGrp="1"/>
+          </p:cNvSpPr>
+          <p:nvPr>
+            <p:ph idx="1"/>
+          </p:nvPr>
+        </p:nvSpPr>
+        <p:spPr/>
+        <p:txBody>
+          <a:bodyPr/>
+          <a:lstStyle/>
+          <a:p>
+            <a:endParaRPr lang="zh-CN" altLang="en-US"/>
+          </a:p>
+        </p:txBody>
+      </p:sp>
+    </p:spTree>
+  </p:cSld>
+  <p:clrMapOvr>
+    <a:masterClrMapping/>
+  </p:clrMapOvr>
+</p:sld>
+</file>
+
 <file path=ppt/slides/slide2.xml><?xml version="1.0" encoding="utf-8"?>
 <p:sld xmlns:a="http://schemas.openxmlformats.org/drawingml/2006/main" xmlns:r="http://schemas.openxmlformats.org/officeDocument/2006/relationships" xmlns:p="http://schemas.openxmlformats.org/presentationml/2006/main">
   <p:cSld>
@@ -3214,11 +3779,7 @@
             <a:pPr lvl="2"/>
             <a:r>
               <a:rPr lang="pt-BR" altLang="zh-CN" dirty="0" smtClean="0"/>
-              <a:t>C:\Program Files (x86)\</a:t>
-            </a:r>
-            <a:r>
-              <a:rPr lang="pt-BR" altLang="zh-CN" dirty="0" smtClean="0"/>
-              <a:t>Java\jdk1.8.0_101</a:t>
+              <a:t>C:\Program Files (x86)\Java\jdk1.8.0_101</a:t>
             </a:r>
           </a:p>
           <a:p>
@@ -3227,7 +3788,6 @@
               <a:rPr lang="en-US" altLang="zh-CN" dirty="0" smtClean="0"/>
               <a:t>C:\Program Files (x86)\Java\jre1.8.0_101</a:t>
             </a:r>
-            <a:endParaRPr lang="en-US" altLang="zh-CN" dirty="0" smtClean="0"/>
           </a:p>
           <a:p>
             <a:r>
@@ -3258,11 +3818,7 @@
             </a:r>
             <a:r>
               <a:rPr lang="pt-BR" altLang="zh-CN" dirty="0" smtClean="0"/>
-              <a:t>C:\Program Files (x86)\</a:t>
-            </a:r>
-            <a:r>
-              <a:rPr lang="pt-BR" altLang="zh-CN" dirty="0" smtClean="0"/>
-              <a:t>Java\jdk1.8.0_101</a:t>
+              <a:t>C:\Program Files (x86)\Java\jdk1.8.0_101</a:t>
             </a:r>
           </a:p>
           <a:p>
@@ -3273,19 +3829,11 @@
             </a:r>
             <a:r>
               <a:rPr lang="pt-BR" altLang="zh-CN" smtClean="0"/>
-              <a:t>bin</a:t>
-            </a:r>
-            <a:r>
-              <a:rPr lang="pt-BR" altLang="zh-CN" smtClean="0"/>
-              <a:t>;%</a:t>
+              <a:t>bin;%</a:t>
             </a:r>
             <a:r>
               <a:rPr lang="pt-BR" altLang="zh-CN" dirty="0" smtClean="0"/>
-              <a:t>JAVA_HOME</a:t>
-            </a:r>
-            <a:r>
-              <a:rPr lang="pt-BR" altLang="zh-CN" dirty="0" smtClean="0"/>
-              <a:t>%\jre\bin</a:t>
+              <a:t>JAVA_HOME%\jre\bin</a:t>
             </a:r>
             <a:endParaRPr lang="zh-CN" altLang="en-US" dirty="0"/>
           </a:p>
@@ -3365,13 +3913,7 @@
               <a:rPr lang="en-US" altLang="zh-CN" dirty="0" smtClean="0">
                 <a:hlinkClick r:id="rId2"/>
               </a:rPr>
-              <a:t>http://</a:t>
-            </a:r>
-            <a:r>
-              <a:rPr lang="en-US" altLang="zh-CN" dirty="0" smtClean="0">
-                <a:hlinkClick r:id="rId2"/>
-              </a:rPr>
-              <a:t>maven.apache.org/download.cgi</a:t>
+              <a:t>http://maven.apache.org/download.cgi</a:t>
             </a:r>
             <a:r>
               <a:rPr lang="en-US" altLang="zh-CN" dirty="0" smtClean="0"/>
@@ -3388,19 +3930,7 @@
             <a:pPr lvl="1"/>
             <a:r>
               <a:rPr lang="en-US" altLang="zh-CN" dirty="0" smtClean="0"/>
-              <a:t>Unzip </a:t>
-            </a:r>
-            <a:r>
-              <a:rPr lang="en-US" altLang="zh-CN" dirty="0" smtClean="0"/>
-              <a:t>to </a:t>
-            </a:r>
-            <a:r>
-              <a:rPr lang="en-US" altLang="zh-CN" dirty="0" smtClean="0"/>
-              <a:t>C:\</a:t>
-            </a:r>
-            <a:r>
-              <a:rPr lang="en-US" altLang="zh-CN" dirty="0" smtClean="0"/>
-              <a:t>apache-maven-3.3.9</a:t>
+              <a:t>Unzip to C:\apache-maven-3.3.9</a:t>
             </a:r>
           </a:p>
           <a:p>
@@ -3424,11 +3954,7 @@
             <a:pPr lvl="2"/>
             <a:r>
               <a:rPr lang="en-US" altLang="zh-CN" dirty="0" smtClean="0"/>
-              <a:t>M2_HOME = C:\</a:t>
-            </a:r>
-            <a:r>
-              <a:rPr lang="en-US" altLang="zh-CN" dirty="0" smtClean="0"/>
-              <a:t>apache-maven-3.3.9</a:t>
+              <a:t>M2_HOME = C:\apache-maven-3.3.9</a:t>
             </a:r>
           </a:p>
           <a:p>
@@ -3565,6 +4091,1140 @@
           <a:effectLst/>
         </p:spPr>
       </p:pic>
+    </p:spTree>
+  </p:cSld>
+  <p:clrMapOvr>
+    <a:masterClrMapping/>
+  </p:clrMapOvr>
+</p:sld>
+</file>
+
+<file path=ppt/slides/slide5.xml><?xml version="1.0" encoding="utf-8"?>
+<p:sld xmlns:a="http://schemas.openxmlformats.org/drawingml/2006/main" xmlns:r="http://schemas.openxmlformats.org/officeDocument/2006/relationships" xmlns:p="http://schemas.openxmlformats.org/presentationml/2006/main">
+  <p:cSld>
+    <p:spTree>
+      <p:nvGrpSpPr>
+        <p:cNvPr id="1" name=""/>
+        <p:cNvGrpSpPr/>
+        <p:nvPr/>
+      </p:nvGrpSpPr>
+      <p:grpSpPr>
+        <a:xfrm>
+          <a:off x="0" y="0"/>
+          <a:ext cx="0" cy="0"/>
+          <a:chOff x="0" y="0"/>
+          <a:chExt cx="0" cy="0"/>
+        </a:xfrm>
+      </p:grpSpPr>
+      <p:sp>
+        <p:nvSpPr>
+          <p:cNvPr id="2" name="标题 1"/>
+          <p:cNvSpPr>
+            <a:spLocks noGrp="1"/>
+          </p:cNvSpPr>
+          <p:nvPr>
+            <p:ph type="title"/>
+          </p:nvPr>
+        </p:nvSpPr>
+        <p:spPr/>
+        <p:txBody>
+          <a:bodyPr/>
+          <a:lstStyle/>
+          <a:p>
+            <a:r>
+              <a:rPr lang="zh-CN" altLang="en-US" dirty="0" smtClean="0"/>
+              <a:t>使用</a:t>
+            </a:r>
+            <a:r>
+              <a:rPr lang="en-US" altLang="zh-CN" dirty="0" smtClean="0"/>
+              <a:t>maven</a:t>
+            </a:r>
+            <a:r>
+              <a:rPr lang="zh-CN" altLang="en-US" dirty="0" smtClean="0"/>
+              <a:t>创建</a:t>
+            </a:r>
+            <a:r>
+              <a:rPr lang="en-US" altLang="zh-CN" dirty="0" err="1" smtClean="0"/>
+              <a:t>helloworld</a:t>
+            </a:r>
+            <a:r>
+              <a:rPr lang="zh-CN" altLang="en-US" dirty="0" smtClean="0"/>
+              <a:t>项目</a:t>
+            </a:r>
+            <a:endParaRPr lang="zh-CN" altLang="en-US" dirty="0"/>
+          </a:p>
+        </p:txBody>
+      </p:sp>
+      <p:sp>
+        <p:nvSpPr>
+          <p:cNvPr id="3" name="内容占位符 2"/>
+          <p:cNvSpPr>
+            <a:spLocks noGrp="1"/>
+          </p:cNvSpPr>
+          <p:nvPr>
+            <p:ph idx="1"/>
+          </p:nvPr>
+        </p:nvSpPr>
+        <p:spPr/>
+        <p:txBody>
+          <a:bodyPr>
+            <a:normAutofit lnSpcReduction="10000"/>
+          </a:bodyPr>
+          <a:lstStyle/>
+          <a:p>
+            <a:r>
+              <a:rPr lang="zh-CN" altLang="en-US" dirty="0" smtClean="0"/>
+              <a:t>创建如图目录结构</a:t>
+            </a:r>
+            <a:endParaRPr lang="en-US" altLang="zh-CN" dirty="0" smtClean="0"/>
+          </a:p>
+          <a:p>
+            <a:pPr lvl="1" algn="just"/>
+            <a:r>
+              <a:rPr lang="zh-CN" altLang="en-US" dirty="0" smtClean="0"/>
+              <a:t>在</a:t>
+            </a:r>
+            <a:r>
+              <a:rPr lang="en-US" altLang="zh-CN" dirty="0" smtClean="0"/>
+              <a:t>main/java</a:t>
+            </a:r>
+            <a:r>
+              <a:rPr lang="zh-CN" altLang="en-US" dirty="0" smtClean="0"/>
+              <a:t>目录下创建</a:t>
+            </a:r>
+            <a:r>
+              <a:rPr lang="en-US" altLang="zh-CN" dirty="0" smtClean="0"/>
+              <a:t>java</a:t>
+            </a:r>
+            <a:r>
+              <a:rPr lang="zh-CN" altLang="en-US" dirty="0" smtClean="0"/>
+              <a:t>源代码</a:t>
+            </a:r>
+            <a:endParaRPr lang="en-US" altLang="zh-CN" dirty="0" smtClean="0"/>
+          </a:p>
+          <a:p>
+            <a:pPr lvl="1" algn="just"/>
+            <a:r>
+              <a:rPr lang="zh-CN" altLang="en-US" dirty="0" smtClean="0"/>
+              <a:t>在</a:t>
+            </a:r>
+            <a:r>
+              <a:rPr lang="en-US" altLang="zh-CN" dirty="0" smtClean="0"/>
+              <a:t>test/java</a:t>
+            </a:r>
+            <a:r>
+              <a:rPr lang="zh-CN" altLang="en-US" dirty="0" smtClean="0"/>
+              <a:t>下创建测试代码</a:t>
+            </a:r>
+            <a:endParaRPr lang="en-US" altLang="zh-CN" dirty="0" smtClean="0"/>
+          </a:p>
+          <a:p>
+            <a:pPr lvl="1" algn="just"/>
+            <a:r>
+              <a:rPr lang="zh-CN" altLang="en-US" dirty="0" smtClean="0"/>
+              <a:t>编写</a:t>
+            </a:r>
+            <a:r>
+              <a:rPr lang="en-US" altLang="zh-CN" dirty="0" smtClean="0"/>
+              <a:t>pom.xml</a:t>
+            </a:r>
+            <a:r>
+              <a:rPr lang="zh-CN" altLang="en-US" dirty="0" smtClean="0"/>
+              <a:t>文件</a:t>
+            </a:r>
+            <a:endParaRPr lang="en-US" altLang="zh-CN" dirty="0" smtClean="0"/>
+          </a:p>
+          <a:p>
+            <a:pPr algn="just"/>
+            <a:r>
+              <a:rPr lang="zh-CN" altLang="en-US" dirty="0" smtClean="0"/>
+              <a:t>构建项目</a:t>
+            </a:r>
+            <a:endParaRPr lang="en-US" altLang="zh-CN" dirty="0" smtClean="0"/>
+          </a:p>
+          <a:p>
+            <a:pPr lvl="1" algn="just"/>
+            <a:r>
+              <a:rPr lang="zh-CN" altLang="en-US" dirty="0" smtClean="0"/>
+              <a:t>编译：</a:t>
+            </a:r>
+            <a:r>
+              <a:rPr lang="en-US" altLang="zh-CN" b="1" dirty="0" err="1" smtClean="0">
+                <a:solidFill>
+                  <a:srgbClr val="00B0F0"/>
+                </a:solidFill>
+              </a:rPr>
+              <a:t>mvn</a:t>
+            </a:r>
+            <a:r>
+              <a:rPr lang="en-US" altLang="zh-CN" b="1" dirty="0" smtClean="0">
+                <a:solidFill>
+                  <a:srgbClr val="00B0F0"/>
+                </a:solidFill>
+              </a:rPr>
+              <a:t> compile</a:t>
+            </a:r>
+            <a:endParaRPr lang="en-US" altLang="zh-CN" b="1" dirty="0" smtClean="0">
+              <a:solidFill>
+                <a:srgbClr val="00B0F0"/>
+              </a:solidFill>
+            </a:endParaRPr>
+          </a:p>
+          <a:p>
+            <a:pPr lvl="2" algn="just"/>
+            <a:r>
+              <a:rPr lang="zh-CN" altLang="en-US" dirty="0" smtClean="0"/>
+              <a:t>首次运行会下载第三方插件和</a:t>
+            </a:r>
+            <a:r>
+              <a:rPr lang="en-US" altLang="zh-CN" dirty="0" smtClean="0"/>
+              <a:t>maven</a:t>
+            </a:r>
+            <a:r>
+              <a:rPr lang="zh-CN" altLang="en-US" dirty="0" smtClean="0"/>
+              <a:t>依赖的</a:t>
+            </a:r>
+            <a:r>
+              <a:rPr lang="en-US" altLang="zh-CN" dirty="0" smtClean="0"/>
+              <a:t>jar</a:t>
+            </a:r>
+          </a:p>
+          <a:p>
+            <a:pPr lvl="1" algn="just"/>
+            <a:r>
+              <a:rPr lang="zh-CN" altLang="en-US" dirty="0" smtClean="0"/>
+              <a:t>运行测试</a:t>
+            </a:r>
+            <a:r>
+              <a:rPr lang="zh-CN" altLang="en-US" dirty="0" smtClean="0"/>
+              <a:t>用例：</a:t>
+            </a:r>
+            <a:r>
+              <a:rPr lang="en-US" altLang="zh-CN" b="1" dirty="0" err="1" smtClean="0">
+                <a:solidFill>
+                  <a:srgbClr val="00B0F0"/>
+                </a:solidFill>
+              </a:rPr>
+              <a:t>mvn</a:t>
+            </a:r>
+            <a:r>
+              <a:rPr lang="en-US" altLang="zh-CN" b="1" dirty="0" smtClean="0">
+                <a:solidFill>
+                  <a:srgbClr val="00B0F0"/>
+                </a:solidFill>
+              </a:rPr>
+              <a:t> test</a:t>
+            </a:r>
+          </a:p>
+          <a:p>
+            <a:pPr lvl="1" algn="just"/>
+            <a:r>
+              <a:rPr lang="zh-CN" altLang="en-US" dirty="0" smtClean="0"/>
+              <a:t>打包：</a:t>
+            </a:r>
+            <a:r>
+              <a:rPr lang="en-US" altLang="zh-CN" b="1" dirty="0" err="1" smtClean="0">
+                <a:solidFill>
+                  <a:srgbClr val="00B0F0"/>
+                </a:solidFill>
+              </a:rPr>
+              <a:t>mvn</a:t>
+            </a:r>
+            <a:r>
+              <a:rPr lang="en-US" altLang="zh-CN" b="1" dirty="0" smtClean="0">
+                <a:solidFill>
+                  <a:srgbClr val="00B0F0"/>
+                </a:solidFill>
+              </a:rPr>
+              <a:t> package</a:t>
+            </a:r>
+            <a:endParaRPr lang="zh-CN" altLang="en-US" b="1" dirty="0">
+              <a:solidFill>
+                <a:srgbClr val="00B0F0"/>
+              </a:solidFill>
+            </a:endParaRPr>
+          </a:p>
+        </p:txBody>
+      </p:sp>
+      <p:pic>
+        <p:nvPicPr>
+          <p:cNvPr id="1026" name="Picture 2"/>
+          <p:cNvPicPr>
+            <a:picLocks noChangeAspect="1" noChangeArrowheads="1"/>
+          </p:cNvPicPr>
+          <p:nvPr/>
+        </p:nvPicPr>
+        <p:blipFill>
+          <a:blip r:embed="rId2"/>
+          <a:srcRect/>
+          <a:stretch>
+            <a:fillRect/>
+          </a:stretch>
+        </p:blipFill>
+        <p:spPr bwMode="auto">
+          <a:xfrm>
+            <a:off x="6429388" y="1643050"/>
+            <a:ext cx="2275252" cy="1943098"/>
+          </a:xfrm>
+          <a:prstGeom prst="rect">
+            <a:avLst/>
+          </a:prstGeom>
+          <a:noFill/>
+          <a:ln w="9525">
+            <a:noFill/>
+            <a:miter lim="800000"/>
+            <a:headEnd/>
+            <a:tailEnd/>
+          </a:ln>
+          <a:effectLst/>
+        </p:spPr>
+      </p:pic>
+    </p:spTree>
+  </p:cSld>
+  <p:clrMapOvr>
+    <a:masterClrMapping/>
+  </p:clrMapOvr>
+</p:sld>
+</file>
+
+<file path=ppt/slides/slide6.xml><?xml version="1.0" encoding="utf-8"?>
+<p:sld xmlns:a="http://schemas.openxmlformats.org/drawingml/2006/main" xmlns:r="http://schemas.openxmlformats.org/officeDocument/2006/relationships" xmlns:p="http://schemas.openxmlformats.org/presentationml/2006/main">
+  <p:cSld>
+    <p:spTree>
+      <p:nvGrpSpPr>
+        <p:cNvPr id="1" name=""/>
+        <p:cNvGrpSpPr/>
+        <p:nvPr/>
+      </p:nvGrpSpPr>
+      <p:grpSpPr>
+        <a:xfrm>
+          <a:off x="0" y="0"/>
+          <a:ext cx="0" cy="0"/>
+          <a:chOff x="0" y="0"/>
+          <a:chExt cx="0" cy="0"/>
+        </a:xfrm>
+      </p:grpSpPr>
+      <p:sp>
+        <p:nvSpPr>
+          <p:cNvPr id="2" name="标题 1"/>
+          <p:cNvSpPr>
+            <a:spLocks noGrp="1"/>
+          </p:cNvSpPr>
+          <p:nvPr>
+            <p:ph type="title"/>
+          </p:nvPr>
+        </p:nvSpPr>
+        <p:spPr/>
+        <p:txBody>
+          <a:bodyPr/>
+          <a:lstStyle/>
+          <a:p>
+            <a:r>
+              <a:rPr lang="en-US" altLang="zh-CN" dirty="0" smtClean="0"/>
+              <a:t>Java</a:t>
+            </a:r>
+            <a:r>
+              <a:rPr lang="zh-CN" altLang="en-US" dirty="0" smtClean="0"/>
+              <a:t>源代码示例</a:t>
+            </a:r>
+            <a:endParaRPr lang="zh-CN" altLang="en-US" dirty="0"/>
+          </a:p>
+        </p:txBody>
+      </p:sp>
+      <p:sp>
+        <p:nvSpPr>
+          <p:cNvPr id="3" name="内容占位符 2"/>
+          <p:cNvSpPr>
+            <a:spLocks noGrp="1"/>
+          </p:cNvSpPr>
+          <p:nvPr>
+            <p:ph idx="1"/>
+          </p:nvPr>
+        </p:nvSpPr>
+        <p:spPr/>
+        <p:txBody>
+          <a:bodyPr/>
+          <a:lstStyle/>
+          <a:p>
+            <a:endParaRPr lang="zh-CN" altLang="en-US"/>
+          </a:p>
+        </p:txBody>
+      </p:sp>
+      <p:pic>
+        <p:nvPicPr>
+          <p:cNvPr id="2050" name="Picture 2"/>
+          <p:cNvPicPr>
+            <a:picLocks noChangeAspect="1" noChangeArrowheads="1"/>
+          </p:cNvPicPr>
+          <p:nvPr/>
+        </p:nvPicPr>
+        <p:blipFill>
+          <a:blip r:embed="rId2"/>
+          <a:srcRect/>
+          <a:stretch>
+            <a:fillRect/>
+          </a:stretch>
+        </p:blipFill>
+        <p:spPr bwMode="auto">
+          <a:xfrm>
+            <a:off x="552447" y="1643050"/>
+            <a:ext cx="3590925" cy="1714500"/>
+          </a:xfrm>
+          <a:prstGeom prst="rect">
+            <a:avLst/>
+          </a:prstGeom>
+          <a:noFill/>
+          <a:ln w="9525">
+            <a:noFill/>
+            <a:miter lim="800000"/>
+            <a:headEnd/>
+            <a:tailEnd/>
+          </a:ln>
+          <a:effectLst/>
+        </p:spPr>
+      </p:pic>
+      <p:pic>
+        <p:nvPicPr>
+          <p:cNvPr id="2051" name="Picture 3"/>
+          <p:cNvPicPr>
+            <a:picLocks noChangeAspect="1" noChangeArrowheads="1"/>
+          </p:cNvPicPr>
+          <p:nvPr/>
+        </p:nvPicPr>
+        <p:blipFill>
+          <a:blip r:embed="rId3"/>
+          <a:srcRect/>
+          <a:stretch>
+            <a:fillRect/>
+          </a:stretch>
+        </p:blipFill>
+        <p:spPr bwMode="auto">
+          <a:xfrm>
+            <a:off x="533422" y="3571876"/>
+            <a:ext cx="7181850" cy="2933700"/>
+          </a:xfrm>
+          <a:prstGeom prst="rect">
+            <a:avLst/>
+          </a:prstGeom>
+          <a:noFill/>
+          <a:ln w="9525">
+            <a:noFill/>
+            <a:miter lim="800000"/>
+            <a:headEnd/>
+            <a:tailEnd/>
+          </a:ln>
+          <a:effectLst/>
+        </p:spPr>
+      </p:pic>
+      <p:sp>
+        <p:nvSpPr>
+          <p:cNvPr id="7" name="TextBox 6"/>
+          <p:cNvSpPr txBox="1"/>
+          <p:nvPr/>
+        </p:nvSpPr>
+        <p:spPr>
+          <a:xfrm>
+            <a:off x="3143240" y="2928934"/>
+            <a:ext cx="877163" cy="369332"/>
+          </a:xfrm>
+          <a:prstGeom prst="rect">
+            <a:avLst/>
+          </a:prstGeom>
+          <a:noFill/>
+        </p:spPr>
+        <p:txBody>
+          <a:bodyPr wrap="none" rtlCol="0">
+            <a:spAutoFit/>
+          </a:bodyPr>
+          <a:lstStyle/>
+          <a:p>
+            <a:r>
+              <a:rPr lang="zh-CN" altLang="en-US" b="1" dirty="0" smtClean="0">
+                <a:solidFill>
+                  <a:srgbClr val="FF0000"/>
+                </a:solidFill>
+              </a:rPr>
+              <a:t>源代码</a:t>
+            </a:r>
+            <a:endParaRPr lang="zh-CN" altLang="en-US" b="1" dirty="0">
+              <a:solidFill>
+                <a:srgbClr val="FF0000"/>
+              </a:solidFill>
+            </a:endParaRPr>
+          </a:p>
+        </p:txBody>
+      </p:sp>
+      <p:sp>
+        <p:nvSpPr>
+          <p:cNvPr id="8" name="TextBox 7"/>
+          <p:cNvSpPr txBox="1"/>
+          <p:nvPr/>
+        </p:nvSpPr>
+        <p:spPr>
+          <a:xfrm>
+            <a:off x="6357950" y="3714752"/>
+            <a:ext cx="1107996" cy="369332"/>
+          </a:xfrm>
+          <a:prstGeom prst="rect">
+            <a:avLst/>
+          </a:prstGeom>
+          <a:noFill/>
+        </p:spPr>
+        <p:txBody>
+          <a:bodyPr wrap="none" rtlCol="0">
+            <a:spAutoFit/>
+          </a:bodyPr>
+          <a:lstStyle/>
+          <a:p>
+            <a:r>
+              <a:rPr lang="zh-CN" altLang="en-US" b="1" dirty="0" smtClean="0">
+                <a:solidFill>
+                  <a:srgbClr val="FF0000"/>
+                </a:solidFill>
+              </a:rPr>
+              <a:t>测试</a:t>
+            </a:r>
+            <a:r>
+              <a:rPr lang="zh-CN" altLang="en-US" b="1" dirty="0" smtClean="0">
+                <a:solidFill>
+                  <a:srgbClr val="FF0000"/>
+                </a:solidFill>
+              </a:rPr>
+              <a:t>代码</a:t>
+            </a:r>
+            <a:endParaRPr lang="zh-CN" altLang="en-US" b="1" dirty="0">
+              <a:solidFill>
+                <a:srgbClr val="FF0000"/>
+              </a:solidFill>
+            </a:endParaRPr>
+          </a:p>
+        </p:txBody>
+      </p:sp>
+    </p:spTree>
+  </p:cSld>
+  <p:clrMapOvr>
+    <a:masterClrMapping/>
+  </p:clrMapOvr>
+</p:sld>
+</file>
+
+<file path=ppt/slides/slide7.xml><?xml version="1.0" encoding="utf-8"?>
+<p:sld xmlns:a="http://schemas.openxmlformats.org/drawingml/2006/main" xmlns:r="http://schemas.openxmlformats.org/officeDocument/2006/relationships" xmlns:p="http://schemas.openxmlformats.org/presentationml/2006/main">
+  <p:cSld>
+    <p:spTree>
+      <p:nvGrpSpPr>
+        <p:cNvPr id="1" name=""/>
+        <p:cNvGrpSpPr/>
+        <p:nvPr/>
+      </p:nvGrpSpPr>
+      <p:grpSpPr>
+        <a:xfrm>
+          <a:off x="0" y="0"/>
+          <a:ext cx="0" cy="0"/>
+          <a:chOff x="0" y="0"/>
+          <a:chExt cx="0" cy="0"/>
+        </a:xfrm>
+      </p:grpSpPr>
+      <p:sp>
+        <p:nvSpPr>
+          <p:cNvPr id="2" name="标题 1"/>
+          <p:cNvSpPr>
+            <a:spLocks noGrp="1"/>
+          </p:cNvSpPr>
+          <p:nvPr>
+            <p:ph type="title"/>
+          </p:nvPr>
+        </p:nvSpPr>
+        <p:spPr/>
+        <p:txBody>
+          <a:bodyPr/>
+          <a:lstStyle/>
+          <a:p>
+            <a:r>
+              <a:rPr lang="en-US" altLang="zh-CN" dirty="0" smtClean="0"/>
+              <a:t>pom.xml</a:t>
+            </a:r>
+            <a:endParaRPr lang="zh-CN" altLang="en-US" dirty="0"/>
+          </a:p>
+        </p:txBody>
+      </p:sp>
+      <p:sp>
+        <p:nvSpPr>
+          <p:cNvPr id="3" name="内容占位符 2"/>
+          <p:cNvSpPr>
+            <a:spLocks noGrp="1"/>
+          </p:cNvSpPr>
+          <p:nvPr>
+            <p:ph idx="1"/>
+          </p:nvPr>
+        </p:nvSpPr>
+        <p:spPr/>
+        <p:txBody>
+          <a:bodyPr/>
+          <a:lstStyle/>
+          <a:p>
+            <a:endParaRPr lang="zh-CN" altLang="en-US"/>
+          </a:p>
+        </p:txBody>
+      </p:sp>
+      <p:pic>
+        <p:nvPicPr>
+          <p:cNvPr id="3074" name="Picture 2"/>
+          <p:cNvPicPr>
+            <a:picLocks noChangeAspect="1" noChangeArrowheads="1"/>
+          </p:cNvPicPr>
+          <p:nvPr/>
+        </p:nvPicPr>
+        <p:blipFill>
+          <a:blip r:embed="rId2"/>
+          <a:srcRect/>
+          <a:stretch>
+            <a:fillRect/>
+          </a:stretch>
+        </p:blipFill>
+        <p:spPr bwMode="auto">
+          <a:xfrm>
+            <a:off x="822325" y="1730375"/>
+            <a:ext cx="7499350" cy="3397250"/>
+          </a:xfrm>
+          <a:prstGeom prst="rect">
+            <a:avLst/>
+          </a:prstGeom>
+          <a:noFill/>
+          <a:ln w="9525">
+            <a:noFill/>
+            <a:miter lim="800000"/>
+            <a:headEnd/>
+            <a:tailEnd/>
+          </a:ln>
+          <a:effectLst/>
+        </p:spPr>
+      </p:pic>
+    </p:spTree>
+  </p:cSld>
+  <p:clrMapOvr>
+    <a:masterClrMapping/>
+  </p:clrMapOvr>
+</p:sld>
+</file>
+
+<file path=ppt/slides/slide8.xml><?xml version="1.0" encoding="utf-8"?>
+<p:sld xmlns:a="http://schemas.openxmlformats.org/drawingml/2006/main" xmlns:r="http://schemas.openxmlformats.org/officeDocument/2006/relationships" xmlns:p="http://schemas.openxmlformats.org/presentationml/2006/main">
+  <p:cSld>
+    <p:spTree>
+      <p:nvGrpSpPr>
+        <p:cNvPr id="1" name=""/>
+        <p:cNvGrpSpPr/>
+        <p:nvPr/>
+      </p:nvGrpSpPr>
+      <p:grpSpPr>
+        <a:xfrm>
+          <a:off x="0" y="0"/>
+          <a:ext cx="0" cy="0"/>
+          <a:chOff x="0" y="0"/>
+          <a:chExt cx="0" cy="0"/>
+        </a:xfrm>
+      </p:grpSpPr>
+      <p:sp>
+        <p:nvSpPr>
+          <p:cNvPr id="2" name="标题 1"/>
+          <p:cNvSpPr>
+            <a:spLocks noGrp="1"/>
+          </p:cNvSpPr>
+          <p:nvPr>
+            <p:ph type="title"/>
+          </p:nvPr>
+        </p:nvSpPr>
+        <p:spPr/>
+        <p:txBody>
+          <a:bodyPr/>
+          <a:lstStyle/>
+          <a:p>
+            <a:r>
+              <a:rPr lang="en-US" altLang="zh-CN" dirty="0" smtClean="0"/>
+              <a:t>Maven</a:t>
+            </a:r>
+            <a:r>
+              <a:rPr lang="zh-CN" altLang="en-US" dirty="0" smtClean="0"/>
+              <a:t>常用命令</a:t>
+            </a:r>
+            <a:endParaRPr lang="zh-CN" altLang="en-US" dirty="0"/>
+          </a:p>
+        </p:txBody>
+      </p:sp>
+      <p:sp>
+        <p:nvSpPr>
+          <p:cNvPr id="3" name="内容占位符 2"/>
+          <p:cNvSpPr>
+            <a:spLocks noGrp="1"/>
+          </p:cNvSpPr>
+          <p:nvPr>
+            <p:ph idx="1"/>
+          </p:nvPr>
+        </p:nvSpPr>
+        <p:spPr/>
+        <p:txBody>
+          <a:bodyPr>
+            <a:normAutofit fontScale="62500" lnSpcReduction="20000"/>
+          </a:bodyPr>
+          <a:lstStyle/>
+          <a:p>
+            <a:r>
+              <a:rPr lang="en-US" altLang="zh-CN" b="1" dirty="0" err="1" smtClean="0"/>
+              <a:t>mvn</a:t>
+            </a:r>
+            <a:r>
+              <a:rPr lang="en-US" altLang="zh-CN" b="1" dirty="0" smtClean="0"/>
+              <a:t> compile</a:t>
+            </a:r>
+            <a:r>
+              <a:rPr lang="zh-CN" altLang="en-US" dirty="0" smtClean="0"/>
+              <a:t>编译源代码</a:t>
+            </a:r>
+            <a:endParaRPr lang="en-US" altLang="zh-CN" dirty="0" smtClean="0"/>
+          </a:p>
+          <a:p>
+            <a:r>
+              <a:rPr lang="en-US" altLang="zh-CN" b="1" dirty="0" err="1" smtClean="0"/>
+              <a:t>mvn</a:t>
+            </a:r>
+            <a:r>
+              <a:rPr lang="en-US" altLang="zh-CN" b="1" dirty="0" smtClean="0"/>
+              <a:t> test-compile</a:t>
+            </a:r>
+            <a:r>
+              <a:rPr lang="zh-CN" altLang="en-US" dirty="0" smtClean="0"/>
+              <a:t>编译测试代码</a:t>
+            </a:r>
+            <a:endParaRPr lang="en-US" altLang="zh-CN" dirty="0" smtClean="0"/>
+          </a:p>
+          <a:p>
+            <a:r>
+              <a:rPr lang="en-US" altLang="zh-CN" b="1" dirty="0" err="1" smtClean="0"/>
+              <a:t>mvn</a:t>
+            </a:r>
+            <a:r>
+              <a:rPr lang="en-US" altLang="zh-CN" b="1" dirty="0" smtClean="0"/>
+              <a:t> test</a:t>
+            </a:r>
+            <a:r>
+              <a:rPr lang="zh-CN" altLang="en-US" dirty="0" smtClean="0"/>
+              <a:t>运行测试</a:t>
+            </a:r>
+            <a:endParaRPr lang="en-US" altLang="zh-CN" dirty="0" smtClean="0"/>
+          </a:p>
+          <a:p>
+            <a:r>
+              <a:rPr lang="en-US" altLang="zh-CN" b="1" dirty="0" err="1" smtClean="0"/>
+              <a:t>mvn</a:t>
+            </a:r>
+            <a:r>
+              <a:rPr lang="en-US" altLang="zh-CN" b="1" dirty="0" smtClean="0"/>
+              <a:t> package</a:t>
+            </a:r>
+            <a:r>
+              <a:rPr lang="zh-CN" altLang="en-US" dirty="0" smtClean="0"/>
+              <a:t>打包，根据</a:t>
+            </a:r>
+            <a:r>
+              <a:rPr lang="en-US" altLang="zh-CN" dirty="0" smtClean="0"/>
+              <a:t>pom.xml</a:t>
+            </a:r>
+            <a:r>
+              <a:rPr lang="zh-CN" altLang="en-US" dirty="0" smtClean="0"/>
+              <a:t>打成</a:t>
+            </a:r>
+            <a:r>
+              <a:rPr lang="en-US" altLang="zh-CN" dirty="0" smtClean="0"/>
+              <a:t>war</a:t>
+            </a:r>
+            <a:r>
+              <a:rPr lang="zh-CN" altLang="en-US" dirty="0" smtClean="0"/>
+              <a:t>或</a:t>
+            </a:r>
+            <a:r>
+              <a:rPr lang="en-US" altLang="zh-CN" dirty="0" smtClean="0"/>
+              <a:t>jar</a:t>
+            </a:r>
+          </a:p>
+          <a:p>
+            <a:pPr lvl="1"/>
+            <a:r>
+              <a:rPr lang="zh-CN" altLang="en-US" dirty="0" smtClean="0"/>
+              <a:t>如果</a:t>
+            </a:r>
+            <a:r>
+              <a:rPr lang="en-US" altLang="zh-CN" dirty="0" smtClean="0"/>
+              <a:t>pom.xml</a:t>
+            </a:r>
+            <a:r>
+              <a:rPr lang="zh-CN" altLang="en-US" dirty="0" smtClean="0"/>
+              <a:t>中设置</a:t>
+            </a:r>
+            <a:r>
+              <a:rPr lang="en-US" altLang="zh-CN" dirty="0" smtClean="0"/>
+              <a:t>war</a:t>
+            </a:r>
+            <a:r>
+              <a:rPr lang="zh-CN" altLang="en-US" dirty="0" smtClean="0"/>
+              <a:t>，则此命令相当于</a:t>
+            </a:r>
+            <a:r>
+              <a:rPr lang="en-US" altLang="zh-CN" dirty="0" err="1" smtClean="0"/>
+              <a:t>mvn</a:t>
+            </a:r>
+            <a:r>
+              <a:rPr lang="en-US" altLang="zh-CN" dirty="0" smtClean="0"/>
+              <a:t> </a:t>
+            </a:r>
+            <a:r>
+              <a:rPr lang="en-US" altLang="zh-CN" dirty="0" err="1" smtClean="0"/>
+              <a:t>war:war</a:t>
+            </a:r>
+            <a:endParaRPr lang="en-US" altLang="zh-CN" dirty="0" smtClean="0"/>
+          </a:p>
+          <a:p>
+            <a:pPr lvl="1"/>
+            <a:r>
+              <a:rPr lang="zh-CN" altLang="en-US" dirty="0" smtClean="0"/>
+              <a:t>如果</a:t>
+            </a:r>
+            <a:r>
+              <a:rPr lang="en-US" altLang="zh-CN" dirty="0" smtClean="0"/>
+              <a:t>pom.xml</a:t>
+            </a:r>
+            <a:r>
+              <a:rPr lang="zh-CN" altLang="en-US" dirty="0" smtClean="0"/>
+              <a:t>中设置</a:t>
+            </a:r>
+            <a:r>
+              <a:rPr lang="en-US" altLang="zh-CN" dirty="0" smtClean="0"/>
+              <a:t>jar</a:t>
+            </a:r>
+            <a:r>
+              <a:rPr lang="zh-CN" altLang="en-US" dirty="0" smtClean="0"/>
+              <a:t>，则此命令相当于</a:t>
+            </a:r>
+            <a:r>
+              <a:rPr lang="en-US" altLang="zh-CN" dirty="0" err="1" smtClean="0"/>
+              <a:t>mvn</a:t>
+            </a:r>
+            <a:r>
+              <a:rPr lang="en-US" altLang="zh-CN" dirty="0" smtClean="0"/>
+              <a:t> </a:t>
+            </a:r>
+            <a:r>
+              <a:rPr lang="en-US" altLang="zh-CN" dirty="0" err="1" smtClean="0"/>
+              <a:t>jar:jar</a:t>
+            </a:r>
+            <a:endParaRPr lang="en-US" altLang="zh-CN" dirty="0" smtClean="0"/>
+          </a:p>
+          <a:p>
+            <a:r>
+              <a:rPr lang="en-US" altLang="zh-CN" b="1" dirty="0" err="1" smtClean="0"/>
+              <a:t>mvn</a:t>
+            </a:r>
+            <a:r>
+              <a:rPr lang="en-US" altLang="zh-CN" b="1" dirty="0" smtClean="0"/>
+              <a:t> –</a:t>
+            </a:r>
+            <a:r>
+              <a:rPr lang="en-US" altLang="zh-CN" b="1" dirty="0" err="1" smtClean="0"/>
+              <a:t>Dtest</a:t>
+            </a:r>
+            <a:r>
+              <a:rPr lang="en-US" altLang="zh-CN" b="1" dirty="0" smtClean="0"/>
+              <a:t> package</a:t>
+            </a:r>
+          </a:p>
+          <a:p>
+            <a:pPr lvl="1"/>
+            <a:r>
+              <a:rPr lang="zh-CN" altLang="en-US" dirty="0" smtClean="0"/>
+              <a:t>打包但不编译</a:t>
+            </a:r>
+            <a:r>
+              <a:rPr lang="en-US" altLang="zh-CN" dirty="0" smtClean="0"/>
+              <a:t>test</a:t>
+            </a:r>
+            <a:r>
+              <a:rPr lang="zh-CN" altLang="en-US" dirty="0" smtClean="0"/>
+              <a:t>，例：</a:t>
+            </a:r>
+            <a:r>
+              <a:rPr lang="en-US" altLang="zh-CN" dirty="0" err="1" smtClean="0"/>
+              <a:t>mvn</a:t>
+            </a:r>
+            <a:r>
+              <a:rPr lang="en-US" altLang="zh-CN" dirty="0" smtClean="0"/>
+              <a:t> package –</a:t>
+            </a:r>
+            <a:r>
+              <a:rPr lang="en-US" altLang="zh-CN" dirty="0" err="1" smtClean="0"/>
+              <a:t>Dmaven.test.skip</a:t>
+            </a:r>
+            <a:r>
+              <a:rPr lang="en-US" altLang="zh-CN" dirty="0" smtClean="0"/>
+              <a:t>=true</a:t>
+            </a:r>
+          </a:p>
+          <a:p>
+            <a:pPr lvl="1"/>
+            <a:r>
+              <a:rPr lang="zh-CN" altLang="en-US" dirty="0" smtClean="0"/>
+              <a:t>打包、编译但是不运行</a:t>
+            </a:r>
+            <a:r>
+              <a:rPr lang="en-US" altLang="zh-CN" dirty="0" smtClean="0"/>
+              <a:t>test</a:t>
+            </a:r>
+            <a:r>
+              <a:rPr lang="zh-CN" altLang="en-US" dirty="0" smtClean="0"/>
+              <a:t>，例：</a:t>
+            </a:r>
+            <a:r>
+              <a:rPr lang="en-US" altLang="zh-CN" dirty="0" err="1" smtClean="0"/>
+              <a:t>mvn</a:t>
+            </a:r>
+            <a:r>
+              <a:rPr lang="en-US" altLang="zh-CN" dirty="0" smtClean="0"/>
+              <a:t> package -</a:t>
+            </a:r>
+            <a:r>
+              <a:rPr lang="en-US" altLang="zh-CN" dirty="0" err="1" smtClean="0"/>
+              <a:t>DskipTests</a:t>
+            </a:r>
+            <a:endParaRPr lang="en-US" altLang="zh-CN" dirty="0" smtClean="0"/>
+          </a:p>
+          <a:p>
+            <a:r>
+              <a:rPr lang="en-US" altLang="zh-CN" b="1" dirty="0" err="1" smtClean="0"/>
+              <a:t>mvn</a:t>
+            </a:r>
+            <a:r>
+              <a:rPr lang="en-US" altLang="zh-CN" b="1" dirty="0" smtClean="0"/>
+              <a:t> install</a:t>
+            </a:r>
+            <a:r>
+              <a:rPr lang="zh-CN" altLang="en-US" dirty="0" smtClean="0"/>
+              <a:t>在本地</a:t>
+            </a:r>
+            <a:r>
+              <a:rPr lang="en-US" altLang="zh-CN" dirty="0" smtClean="0"/>
+              <a:t>repository</a:t>
+            </a:r>
+            <a:r>
+              <a:rPr lang="zh-CN" altLang="en-US" dirty="0" smtClean="0"/>
+              <a:t>中安装</a:t>
+            </a:r>
+            <a:r>
+              <a:rPr lang="en-US" altLang="zh-CN" dirty="0" smtClean="0"/>
+              <a:t>jar</a:t>
+            </a:r>
+          </a:p>
+          <a:p>
+            <a:r>
+              <a:rPr lang="en-US" altLang="zh-CN" b="1" dirty="0" err="1" smtClean="0"/>
+              <a:t>mvn</a:t>
+            </a:r>
+            <a:r>
+              <a:rPr lang="en-US" altLang="zh-CN" b="1" dirty="0" smtClean="0"/>
+              <a:t> clean</a:t>
+            </a:r>
+            <a:r>
+              <a:rPr lang="zh-CN" altLang="en-US" dirty="0" smtClean="0"/>
+              <a:t>清除产生的项目</a:t>
+            </a:r>
+            <a:endParaRPr lang="en-US" altLang="zh-CN" dirty="0" smtClean="0"/>
+          </a:p>
+          <a:p>
+            <a:r>
+              <a:rPr lang="en-US" altLang="zh-CN" b="1" dirty="0" err="1" smtClean="0"/>
+              <a:t>mvn</a:t>
+            </a:r>
+            <a:r>
+              <a:rPr lang="en-US" altLang="zh-CN" b="1" dirty="0" smtClean="0"/>
+              <a:t> </a:t>
+            </a:r>
+            <a:r>
+              <a:rPr lang="en-US" altLang="zh-CN" b="1" dirty="0" err="1" smtClean="0"/>
+              <a:t>eclipse:eclipse</a:t>
+            </a:r>
+            <a:r>
+              <a:rPr lang="zh-CN" altLang="en-US" dirty="0" smtClean="0"/>
+              <a:t>生成</a:t>
+            </a:r>
+            <a:r>
+              <a:rPr lang="en-US" altLang="zh-CN" dirty="0" err="1" smtClean="0"/>
+              <a:t>eclipase</a:t>
+            </a:r>
+            <a:r>
+              <a:rPr lang="zh-CN" altLang="en-US" dirty="0" smtClean="0"/>
+              <a:t>项目</a:t>
+            </a:r>
+            <a:endParaRPr lang="en-US" altLang="zh-CN" dirty="0" smtClean="0"/>
+          </a:p>
+          <a:p>
+            <a:r>
+              <a:rPr lang="en-US" altLang="zh-CN" b="1" dirty="0" err="1" smtClean="0"/>
+              <a:t>mvn</a:t>
+            </a:r>
+            <a:r>
+              <a:rPr lang="en-US" altLang="zh-CN" b="1" dirty="0" smtClean="0"/>
+              <a:t> </a:t>
+            </a:r>
+            <a:r>
+              <a:rPr lang="en-US" altLang="zh-CN" b="1" dirty="0" err="1" smtClean="0"/>
+              <a:t>idea:idea</a:t>
+            </a:r>
+            <a:r>
+              <a:rPr lang="zh-CN" altLang="en-US" dirty="0" smtClean="0"/>
+              <a:t>生成</a:t>
+            </a:r>
+            <a:r>
+              <a:rPr lang="en-US" altLang="zh-CN" dirty="0" smtClean="0"/>
+              <a:t>idea</a:t>
+            </a:r>
+            <a:r>
+              <a:rPr lang="zh-CN" altLang="en-US" dirty="0" smtClean="0"/>
+              <a:t>项目</a:t>
+            </a:r>
+            <a:endParaRPr lang="en-US" altLang="zh-CN" dirty="0" smtClean="0"/>
+          </a:p>
+          <a:p>
+            <a:r>
+              <a:rPr lang="en-US" altLang="zh-CN" b="1" dirty="0" err="1" smtClean="0"/>
+              <a:t>mvn</a:t>
+            </a:r>
+            <a:r>
+              <a:rPr lang="en-US" altLang="zh-CN" b="1" dirty="0" smtClean="0"/>
+              <a:t> </a:t>
+            </a:r>
+            <a:r>
+              <a:rPr lang="en-US" altLang="zh-CN" b="1" dirty="0" err="1" smtClean="0"/>
+              <a:t>eclipse:clean</a:t>
+            </a:r>
+            <a:r>
+              <a:rPr lang="zh-CN" altLang="en-US" dirty="0" smtClean="0"/>
+              <a:t>清除</a:t>
+            </a:r>
+            <a:r>
+              <a:rPr lang="en-US" altLang="zh-CN" dirty="0" smtClean="0"/>
+              <a:t>eclipse</a:t>
+            </a:r>
+            <a:r>
+              <a:rPr lang="zh-CN" altLang="en-US" dirty="0" smtClean="0"/>
+              <a:t>的一些系统设置</a:t>
+            </a:r>
+            <a:endParaRPr lang="en-US" altLang="zh-CN" dirty="0" smtClean="0"/>
+          </a:p>
+          <a:p>
+            <a:endParaRPr lang="zh-CN" altLang="en-US" dirty="0"/>
+          </a:p>
+        </p:txBody>
+      </p:sp>
+    </p:spTree>
+  </p:cSld>
+  <p:clrMapOvr>
+    <a:masterClrMapping/>
+  </p:clrMapOvr>
+</p:sld>
+</file>
+
+<file path=ppt/slides/slide9.xml><?xml version="1.0" encoding="utf-8"?>
+<p:sld xmlns:a="http://schemas.openxmlformats.org/drawingml/2006/main" xmlns:r="http://schemas.openxmlformats.org/officeDocument/2006/relationships" xmlns:p="http://schemas.openxmlformats.org/presentationml/2006/main">
+  <p:cSld>
+    <p:spTree>
+      <p:nvGrpSpPr>
+        <p:cNvPr id="1" name=""/>
+        <p:cNvGrpSpPr/>
+        <p:nvPr/>
+      </p:nvGrpSpPr>
+      <p:grpSpPr>
+        <a:xfrm>
+          <a:off x="0" y="0"/>
+          <a:ext cx="0" cy="0"/>
+          <a:chOff x="0" y="0"/>
+          <a:chExt cx="0" cy="0"/>
+        </a:xfrm>
+      </p:grpSpPr>
+      <p:sp>
+        <p:nvSpPr>
+          <p:cNvPr id="2" name="标题 1"/>
+          <p:cNvSpPr>
+            <a:spLocks noGrp="1"/>
+          </p:cNvSpPr>
+          <p:nvPr>
+            <p:ph type="title"/>
+          </p:nvPr>
+        </p:nvSpPr>
+        <p:spPr/>
+        <p:txBody>
+          <a:bodyPr/>
+          <a:lstStyle/>
+          <a:p>
+            <a:r>
+              <a:rPr lang="zh-CN" altLang="en-US" dirty="0" smtClean="0"/>
+              <a:t>如何使用其他项目的</a:t>
+            </a:r>
+            <a:r>
+              <a:rPr lang="en-US" altLang="zh-CN" dirty="0" smtClean="0"/>
+              <a:t>jar</a:t>
+            </a:r>
+            <a:r>
+              <a:rPr lang="zh-CN" altLang="en-US" dirty="0" smtClean="0"/>
+              <a:t>包</a:t>
+            </a:r>
+            <a:endParaRPr lang="zh-CN" altLang="en-US" dirty="0"/>
+          </a:p>
+        </p:txBody>
+      </p:sp>
+      <p:sp>
+        <p:nvSpPr>
+          <p:cNvPr id="3" name="内容占位符 2"/>
+          <p:cNvSpPr>
+            <a:spLocks noGrp="1"/>
+          </p:cNvSpPr>
+          <p:nvPr>
+            <p:ph idx="1"/>
+          </p:nvPr>
+        </p:nvSpPr>
+        <p:spPr/>
+        <p:txBody>
+          <a:bodyPr/>
+          <a:lstStyle/>
+          <a:p>
+            <a:r>
+              <a:rPr lang="zh-CN" altLang="en-US" dirty="0" smtClean="0"/>
+              <a:t>方法一：拷贝</a:t>
+            </a:r>
+            <a:r>
+              <a:rPr lang="en-US" altLang="zh-CN" dirty="0" smtClean="0"/>
+              <a:t>jar</a:t>
+            </a:r>
+            <a:r>
+              <a:rPr lang="zh-CN" altLang="en-US" dirty="0" smtClean="0"/>
+              <a:t>包到</a:t>
+            </a:r>
+            <a:r>
+              <a:rPr lang="en-US" altLang="zh-CN" dirty="0" err="1" smtClean="0"/>
+              <a:t>classpath</a:t>
+            </a:r>
+            <a:r>
+              <a:rPr lang="zh-CN" altLang="en-US" dirty="0" smtClean="0"/>
+              <a:t>中</a:t>
+            </a:r>
+            <a:endParaRPr lang="en-US" altLang="zh-CN" dirty="0" smtClean="0"/>
+          </a:p>
+          <a:p>
+            <a:r>
+              <a:rPr lang="zh-CN" altLang="en-US" dirty="0" smtClean="0"/>
+              <a:t>方法二：直接在本地仓库中查找</a:t>
+            </a:r>
+            <a:endParaRPr lang="zh-CN" altLang="en-US" dirty="0"/>
+          </a:p>
+        </p:txBody>
+      </p:sp>
     </p:spTree>
   </p:cSld>
   <p:clrMapOvr>
